--- a/וועדת מעבר שניה/ועדת מעבר שניה - מצגת.pptx
+++ b/וועדת מעבר שניה/ועדת מעבר שניה - מצגת.pptx
@@ -5,7 +5,7 @@
     <p:sldMasterId id="2147483672" r:id="rId1"/>
   </p:sldMasterIdLst>
   <p:notesMasterIdLst>
-    <p:notesMasterId r:id="rId16"/>
+    <p:notesMasterId r:id="rId18"/>
   </p:notesMasterIdLst>
   <p:sldIdLst>
     <p:sldId id="283" r:id="rId2"/>
@@ -19,9 +19,11 @@
     <p:sldId id="286" r:id="rId10"/>
     <p:sldId id="290" r:id="rId11"/>
     <p:sldId id="291" r:id="rId12"/>
-    <p:sldId id="281" r:id="rId13"/>
-    <p:sldId id="279" r:id="rId14"/>
-    <p:sldId id="277" r:id="rId15"/>
+    <p:sldId id="293" r:id="rId13"/>
+    <p:sldId id="292" r:id="rId14"/>
+    <p:sldId id="281" r:id="rId15"/>
+    <p:sldId id="279" r:id="rId16"/>
+    <p:sldId id="277" r:id="rId17"/>
   </p:sldIdLst>
   <p:sldSz cx="9144000" cy="6858000" type="screen4x3"/>
   <p:notesSz cx="6858000" cy="9144000"/>
@@ -151,6 +153,597 @@
 </p:cmAuthorLst>
 </file>
 
+<file path=ppt/charts/chart1.xml><?xml version="1.0" encoding="utf-8"?>
+<c:chartSpace xmlns:c="http://schemas.openxmlformats.org/drawingml/2006/chart" xmlns:a="http://schemas.openxmlformats.org/drawingml/2006/main" xmlns:r="http://schemas.openxmlformats.org/officeDocument/2006/relationships">
+  <c:date1904 val="1"/>
+  <c:lang val="he-IL"/>
+  <c:chart>
+    <c:title>
+      <c:tx>
+        <c:rich>
+          <a:bodyPr rot="0" spcFirstLastPara="1" vertOverflow="ellipsis" vert="horz" wrap="square" anchor="ctr" anchorCtr="1"/>
+          <a:lstStyle/>
+          <a:p>
+            <a:pPr>
+              <a:defRPr sz="1600" b="1" i="0" u="none" strike="noStrike" kern="1200" spc="0" baseline="0">
+                <a:solidFill>
+                  <a:schemeClr val="tx1">
+                    <a:lumMod val="65000"/>
+                    <a:lumOff val="35000"/>
+                  </a:schemeClr>
+                </a:solidFill>
+                <a:latin typeface="+mn-lt"/>
+                <a:ea typeface="+mn-ea"/>
+                <a:cs typeface="+mn-cs"/>
+              </a:defRPr>
+            </a:pPr>
+            <a:r>
+              <a:rPr lang="en-US" sz="1600" b="1"/>
+              <a:t>Classifier</a:t>
+            </a:r>
+            <a:r>
+              <a:rPr lang="en-US" sz="1600" b="1" baseline="0"/>
+              <a:t> Types</a:t>
+            </a:r>
+          </a:p>
+        </c:rich>
+      </c:tx>
+      <c:layout/>
+      <c:spPr>
+        <a:noFill/>
+        <a:ln>
+          <a:noFill/>
+        </a:ln>
+        <a:effectLst/>
+      </c:spPr>
+    </c:title>
+    <c:plotArea>
+      <c:layout/>
+      <c:lineChart>
+        <c:grouping val="standard"/>
+        <c:ser>
+          <c:idx val="0"/>
+          <c:order val="0"/>
+          <c:tx>
+            <c:strRef>
+              <c:f>גיליון1!$A$2</c:f>
+              <c:strCache>
+                <c:ptCount val="1"/>
+                <c:pt idx="0">
+                  <c:v>Test set </c:v>
+                </c:pt>
+              </c:strCache>
+            </c:strRef>
+          </c:tx>
+          <c:spPr>
+            <a:ln w="28575" cap="rnd">
+              <a:solidFill>
+                <a:schemeClr val="accent1"/>
+              </a:solidFill>
+              <a:round/>
+            </a:ln>
+            <a:effectLst/>
+          </c:spPr>
+          <c:marker>
+            <c:symbol val="circle"/>
+            <c:size val="5"/>
+            <c:spPr>
+              <a:solidFill>
+                <a:schemeClr val="accent1"/>
+              </a:solidFill>
+              <a:ln w="9525">
+                <a:solidFill>
+                  <a:schemeClr val="accent1"/>
+                </a:solidFill>
+              </a:ln>
+              <a:effectLst/>
+            </c:spPr>
+          </c:marker>
+          <c:cat>
+            <c:strRef>
+              <c:f>גיליון1!$A$3:$A$5</c:f>
+              <c:strCache>
+                <c:ptCount val="3"/>
+                <c:pt idx="0">
+                  <c:v>Data set 20</c:v>
+                </c:pt>
+                <c:pt idx="1">
+                  <c:v>Data set 10</c:v>
+                </c:pt>
+                <c:pt idx="2">
+                  <c:v>Data set 4</c:v>
+                </c:pt>
+              </c:strCache>
+            </c:strRef>
+          </c:cat>
+          <c:val>
+            <c:numRef>
+              <c:f>גיליון1!$A$3:$A$5</c:f>
+              <c:numCache>
+                <c:formatCode>General</c:formatCode>
+                <c:ptCount val="3"/>
+                <c:pt idx="0">
+                  <c:v>0</c:v>
+                </c:pt>
+                <c:pt idx="1">
+                  <c:v>0</c:v>
+                </c:pt>
+                <c:pt idx="2">
+                  <c:v>0</c:v>
+                </c:pt>
+              </c:numCache>
+            </c:numRef>
+          </c:val>
+        </c:ser>
+        <c:ser>
+          <c:idx val="1"/>
+          <c:order val="1"/>
+          <c:tx>
+            <c:strRef>
+              <c:f>גיליון1!$B$2</c:f>
+              <c:strCache>
+                <c:ptCount val="1"/>
+                <c:pt idx="0">
+                  <c:v>SMO</c:v>
+                </c:pt>
+              </c:strCache>
+            </c:strRef>
+          </c:tx>
+          <c:spPr>
+            <a:ln w="28575" cap="rnd">
+              <a:solidFill>
+                <a:schemeClr val="accent2"/>
+              </a:solidFill>
+              <a:round/>
+            </a:ln>
+            <a:effectLst/>
+          </c:spPr>
+          <c:marker>
+            <c:symbol val="circle"/>
+            <c:size val="5"/>
+            <c:spPr>
+              <a:solidFill>
+                <a:schemeClr val="accent2"/>
+              </a:solidFill>
+              <a:ln w="9525">
+                <a:solidFill>
+                  <a:schemeClr val="accent2"/>
+                </a:solidFill>
+              </a:ln>
+              <a:effectLst/>
+            </c:spPr>
+          </c:marker>
+          <c:cat>
+            <c:strRef>
+              <c:f>גיליון1!$A$3:$A$5</c:f>
+              <c:strCache>
+                <c:ptCount val="3"/>
+                <c:pt idx="0">
+                  <c:v>Data set 20</c:v>
+                </c:pt>
+                <c:pt idx="1">
+                  <c:v>Data set 10</c:v>
+                </c:pt>
+                <c:pt idx="2">
+                  <c:v>Data set 4</c:v>
+                </c:pt>
+              </c:strCache>
+            </c:strRef>
+          </c:cat>
+          <c:val>
+            <c:numRef>
+              <c:f>גיליון1!$B$3:$B$5</c:f>
+              <c:numCache>
+                <c:formatCode>General</c:formatCode>
+                <c:ptCount val="3"/>
+                <c:pt idx="0">
+                  <c:v>95</c:v>
+                </c:pt>
+                <c:pt idx="1">
+                  <c:v>70</c:v>
+                </c:pt>
+                <c:pt idx="2">
+                  <c:v>0</c:v>
+                </c:pt>
+              </c:numCache>
+            </c:numRef>
+          </c:val>
+        </c:ser>
+        <c:ser>
+          <c:idx val="2"/>
+          <c:order val="2"/>
+          <c:tx>
+            <c:strRef>
+              <c:f>גיליון1!$C$2</c:f>
+              <c:strCache>
+                <c:ptCount val="1"/>
+                <c:pt idx="0">
+                  <c:v>Spegasos</c:v>
+                </c:pt>
+              </c:strCache>
+            </c:strRef>
+          </c:tx>
+          <c:spPr>
+            <a:ln w="28575" cap="rnd">
+              <a:solidFill>
+                <a:schemeClr val="accent3"/>
+              </a:solidFill>
+              <a:round/>
+            </a:ln>
+            <a:effectLst/>
+          </c:spPr>
+          <c:marker>
+            <c:symbol val="circle"/>
+            <c:size val="5"/>
+            <c:spPr>
+              <a:solidFill>
+                <a:schemeClr val="accent3"/>
+              </a:solidFill>
+              <a:ln w="9525">
+                <a:solidFill>
+                  <a:schemeClr val="accent3"/>
+                </a:solidFill>
+              </a:ln>
+              <a:effectLst/>
+            </c:spPr>
+          </c:marker>
+          <c:cat>
+            <c:strRef>
+              <c:f>גיליון1!$A$3:$A$5</c:f>
+              <c:strCache>
+                <c:ptCount val="3"/>
+                <c:pt idx="0">
+                  <c:v>Data set 20</c:v>
+                </c:pt>
+                <c:pt idx="1">
+                  <c:v>Data set 10</c:v>
+                </c:pt>
+                <c:pt idx="2">
+                  <c:v>Data set 4</c:v>
+                </c:pt>
+              </c:strCache>
+            </c:strRef>
+          </c:cat>
+          <c:val>
+            <c:numRef>
+              <c:f>גיליון1!$C$3:$C$5</c:f>
+              <c:numCache>
+                <c:formatCode>General</c:formatCode>
+                <c:ptCount val="3"/>
+                <c:pt idx="0">
+                  <c:v>85</c:v>
+                </c:pt>
+                <c:pt idx="1">
+                  <c:v>80</c:v>
+                </c:pt>
+                <c:pt idx="2">
+                  <c:v>0</c:v>
+                </c:pt>
+              </c:numCache>
+            </c:numRef>
+          </c:val>
+        </c:ser>
+        <c:ser>
+          <c:idx val="3"/>
+          <c:order val="3"/>
+          <c:tx>
+            <c:strRef>
+              <c:f>גיליון1!$D$2</c:f>
+              <c:strCache>
+                <c:ptCount val="1"/>
+                <c:pt idx="0">
+                  <c:v>NaiveBayes</c:v>
+                </c:pt>
+              </c:strCache>
+            </c:strRef>
+          </c:tx>
+          <c:spPr>
+            <a:ln w="28575" cap="rnd">
+              <a:solidFill>
+                <a:schemeClr val="accent4"/>
+              </a:solidFill>
+              <a:round/>
+            </a:ln>
+            <a:effectLst/>
+          </c:spPr>
+          <c:marker>
+            <c:symbol val="circle"/>
+            <c:size val="5"/>
+            <c:spPr>
+              <a:solidFill>
+                <a:schemeClr val="accent4"/>
+              </a:solidFill>
+              <a:ln w="9525">
+                <a:solidFill>
+                  <a:schemeClr val="accent4"/>
+                </a:solidFill>
+              </a:ln>
+              <a:effectLst/>
+            </c:spPr>
+          </c:marker>
+          <c:cat>
+            <c:strRef>
+              <c:f>גיליון1!$A$3:$A$5</c:f>
+              <c:strCache>
+                <c:ptCount val="3"/>
+                <c:pt idx="0">
+                  <c:v>Data set 20</c:v>
+                </c:pt>
+                <c:pt idx="1">
+                  <c:v>Data set 10</c:v>
+                </c:pt>
+                <c:pt idx="2">
+                  <c:v>Data set 4</c:v>
+                </c:pt>
+              </c:strCache>
+            </c:strRef>
+          </c:cat>
+          <c:val>
+            <c:numRef>
+              <c:f>גיליון1!$D$3:$D$5</c:f>
+              <c:numCache>
+                <c:formatCode>General</c:formatCode>
+                <c:ptCount val="3"/>
+                <c:pt idx="0">
+                  <c:v>100</c:v>
+                </c:pt>
+                <c:pt idx="1">
+                  <c:v>70</c:v>
+                </c:pt>
+                <c:pt idx="2">
+                  <c:v>0</c:v>
+                </c:pt>
+              </c:numCache>
+            </c:numRef>
+          </c:val>
+        </c:ser>
+        <c:ser>
+          <c:idx val="4"/>
+          <c:order val="4"/>
+          <c:tx>
+            <c:strRef>
+              <c:f>גיליון1!$E$2</c:f>
+              <c:strCache>
+                <c:ptCount val="1"/>
+                <c:pt idx="0">
+                  <c:v>Kstar</c:v>
+                </c:pt>
+              </c:strCache>
+            </c:strRef>
+          </c:tx>
+          <c:spPr>
+            <a:ln w="28575" cap="rnd">
+              <a:solidFill>
+                <a:schemeClr val="accent5"/>
+              </a:solidFill>
+              <a:round/>
+            </a:ln>
+            <a:effectLst/>
+          </c:spPr>
+          <c:marker>
+            <c:symbol val="circle"/>
+            <c:size val="5"/>
+            <c:spPr>
+              <a:solidFill>
+                <a:schemeClr val="accent5"/>
+              </a:solidFill>
+              <a:ln w="9525">
+                <a:solidFill>
+                  <a:schemeClr val="accent5"/>
+                </a:solidFill>
+              </a:ln>
+              <a:effectLst/>
+            </c:spPr>
+          </c:marker>
+          <c:cat>
+            <c:strRef>
+              <c:f>גיליון1!$A$3:$A$5</c:f>
+              <c:strCache>
+                <c:ptCount val="3"/>
+                <c:pt idx="0">
+                  <c:v>Data set 20</c:v>
+                </c:pt>
+                <c:pt idx="1">
+                  <c:v>Data set 10</c:v>
+                </c:pt>
+                <c:pt idx="2">
+                  <c:v>Data set 4</c:v>
+                </c:pt>
+              </c:strCache>
+            </c:strRef>
+          </c:cat>
+          <c:val>
+            <c:numRef>
+              <c:f>גיליון1!$E$3:$E$5</c:f>
+              <c:numCache>
+                <c:formatCode>General</c:formatCode>
+                <c:ptCount val="3"/>
+                <c:pt idx="0">
+                  <c:v>80</c:v>
+                </c:pt>
+                <c:pt idx="1">
+                  <c:v>50</c:v>
+                </c:pt>
+                <c:pt idx="2">
+                  <c:v>0</c:v>
+                </c:pt>
+              </c:numCache>
+            </c:numRef>
+          </c:val>
+        </c:ser>
+        <c:marker val="1"/>
+        <c:axId val="50417024"/>
+        <c:axId val="79664640"/>
+      </c:lineChart>
+      <c:catAx>
+        <c:axId val="50417024"/>
+        <c:scaling>
+          <c:orientation val="maxMin"/>
+        </c:scaling>
+        <c:axPos val="b"/>
+        <c:numFmt formatCode="General" sourceLinked="1"/>
+        <c:majorTickMark val="none"/>
+        <c:tickLblPos val="nextTo"/>
+        <c:spPr>
+          <a:noFill/>
+          <a:ln w="9525" cap="flat" cmpd="sng" algn="ctr">
+            <a:solidFill>
+              <a:schemeClr val="tx1">
+                <a:lumMod val="15000"/>
+                <a:lumOff val="85000"/>
+              </a:schemeClr>
+            </a:solidFill>
+            <a:round/>
+          </a:ln>
+          <a:effectLst/>
+        </c:spPr>
+        <c:txPr>
+          <a:bodyPr rot="-60000000" spcFirstLastPara="1" vertOverflow="ellipsis" vert="horz" wrap="square" anchor="ctr" anchorCtr="1"/>
+          <a:lstStyle/>
+          <a:p>
+            <a:pPr>
+              <a:defRPr sz="1400" b="0" i="0" u="none" strike="noStrike" kern="1200" baseline="0">
+                <a:solidFill>
+                  <a:schemeClr val="tx1">
+                    <a:lumMod val="65000"/>
+                    <a:lumOff val="35000"/>
+                  </a:schemeClr>
+                </a:solidFill>
+                <a:latin typeface="+mn-lt"/>
+                <a:ea typeface="+mn-ea"/>
+                <a:cs typeface="+mn-cs"/>
+              </a:defRPr>
+            </a:pPr>
+            <a:endParaRPr lang="he-IL"/>
+          </a:p>
+        </c:txPr>
+        <c:crossAx val="79664640"/>
+        <c:crosses val="autoZero"/>
+        <c:auto val="1"/>
+        <c:lblAlgn val="ctr"/>
+        <c:lblOffset val="100"/>
+      </c:catAx>
+      <c:valAx>
+        <c:axId val="79664640"/>
+        <c:scaling>
+          <c:orientation val="minMax"/>
+        </c:scaling>
+        <c:axPos val="r"/>
+        <c:majorGridlines>
+          <c:spPr>
+            <a:ln w="9525" cap="flat" cmpd="sng" algn="ctr">
+              <a:solidFill>
+                <a:schemeClr val="tx1">
+                  <a:lumMod val="15000"/>
+                  <a:lumOff val="85000"/>
+                </a:schemeClr>
+              </a:solidFill>
+              <a:round/>
+            </a:ln>
+            <a:effectLst/>
+          </c:spPr>
+        </c:majorGridlines>
+        <c:numFmt formatCode="General" sourceLinked="1"/>
+        <c:majorTickMark val="none"/>
+        <c:tickLblPos val="nextTo"/>
+        <c:spPr>
+          <a:noFill/>
+          <a:ln>
+            <a:noFill/>
+          </a:ln>
+          <a:effectLst/>
+        </c:spPr>
+        <c:txPr>
+          <a:bodyPr rot="-60000000" spcFirstLastPara="1" vertOverflow="ellipsis" vert="horz" wrap="square" anchor="ctr" anchorCtr="1"/>
+          <a:lstStyle/>
+          <a:p>
+            <a:pPr>
+              <a:defRPr sz="1400" b="0" i="0" u="none" strike="noStrike" kern="1200" baseline="0">
+                <a:solidFill>
+                  <a:schemeClr val="tx1">
+                    <a:lumMod val="65000"/>
+                    <a:lumOff val="35000"/>
+                  </a:schemeClr>
+                </a:solidFill>
+                <a:latin typeface="+mn-lt"/>
+                <a:ea typeface="+mn-ea"/>
+                <a:cs typeface="+mn-cs"/>
+              </a:defRPr>
+            </a:pPr>
+            <a:endParaRPr lang="he-IL"/>
+          </a:p>
+        </c:txPr>
+        <c:crossAx val="50417024"/>
+        <c:crosses val="autoZero"/>
+        <c:crossBetween val="between"/>
+      </c:valAx>
+      <c:spPr>
+        <a:noFill/>
+        <a:ln>
+          <a:noFill/>
+        </a:ln>
+        <a:effectLst/>
+      </c:spPr>
+    </c:plotArea>
+    <c:legend>
+      <c:legendPos val="b"/>
+      <c:legendEntry>
+        <c:idx val="0"/>
+        <c:delete val="1"/>
+      </c:legendEntry>
+      <c:layout/>
+      <c:spPr>
+        <a:noFill/>
+        <a:ln>
+          <a:noFill/>
+        </a:ln>
+        <a:effectLst/>
+      </c:spPr>
+      <c:txPr>
+        <a:bodyPr rot="0" spcFirstLastPara="1" vertOverflow="ellipsis" vert="horz" wrap="square" anchor="ctr" anchorCtr="1"/>
+        <a:lstStyle/>
+        <a:p>
+          <a:pPr>
+            <a:defRPr sz="1400" b="0" i="0" u="none" strike="noStrike" kern="1200" baseline="0">
+              <a:solidFill>
+                <a:schemeClr val="tx1">
+                  <a:lumMod val="65000"/>
+                  <a:lumOff val="35000"/>
+                </a:schemeClr>
+              </a:solidFill>
+              <a:latin typeface="+mn-lt"/>
+              <a:ea typeface="+mn-ea"/>
+              <a:cs typeface="+mn-cs"/>
+            </a:defRPr>
+          </a:pPr>
+          <a:endParaRPr lang="he-IL"/>
+        </a:p>
+      </c:txPr>
+    </c:legend>
+    <c:plotVisOnly val="1"/>
+    <c:dispBlanksAs val="gap"/>
+  </c:chart>
+  <c:spPr>
+    <a:noFill/>
+    <a:ln>
+      <a:noFill/>
+    </a:ln>
+    <a:effectLst/>
+  </c:spPr>
+  <c:txPr>
+    <a:bodyPr/>
+    <a:lstStyle/>
+    <a:p>
+      <a:pPr>
+        <a:defRPr/>
+      </a:pPr>
+      <a:endParaRPr lang="he-IL"/>
+    </a:p>
+  </c:txPr>
+  <c:externalData r:id="rId1"/>
+</c:chartSpace>
+</file>
+
 <file path=ppt/notesMasters/notesMaster1.xml><?xml version="1.0" encoding="utf-8"?>
 <p:notesMaster xmlns:a="http://schemas.openxmlformats.org/drawingml/2006/main" xmlns:r="http://schemas.openxmlformats.org/officeDocument/2006/relationships" xmlns:p="http://schemas.openxmlformats.org/presentationml/2006/main">
   <p:cSld>
@@ -234,7 +827,7 @@
             <a:fld id="{416AAA16-F7F4-4BB7-BC2D-56E3A3EFD626}" type="datetimeFigureOut">
               <a:rPr lang="he-IL" smtClean="0"/>
               <a:pPr/>
-              <a:t>ט"ז/אייר/תשע"ה</a:t>
+              <a:t>י"ז/אייר/תשע"ה</a:t>
             </a:fld>
             <a:endParaRPr lang="he-IL"/>
           </a:p>
@@ -687,7 +1280,7 @@
             <a:fld id="{0309AE4F-9C54-4FEE-ACEC-1FFC3EC84708}" type="datetimeFigureOut">
               <a:rPr lang="he-IL" smtClean="0"/>
               <a:pPr/>
-              <a:t>ט"ז/אייר/תשע"ה</a:t>
+              <a:t>י"ז/אייר/תשע"ה</a:t>
             </a:fld>
             <a:endParaRPr lang="he-IL"/>
           </a:p>
@@ -864,7 +1457,7 @@
             <a:fld id="{0309AE4F-9C54-4FEE-ACEC-1FFC3EC84708}" type="datetimeFigureOut">
               <a:rPr lang="he-IL" smtClean="0"/>
               <a:pPr/>
-              <a:t>ט"ז/אייר/תשע"ה</a:t>
+              <a:t>י"ז/אייר/תשע"ה</a:t>
             </a:fld>
             <a:endParaRPr lang="he-IL"/>
           </a:p>
@@ -1041,7 +1634,7 @@
             <a:fld id="{0309AE4F-9C54-4FEE-ACEC-1FFC3EC84708}" type="datetimeFigureOut">
               <a:rPr lang="he-IL" smtClean="0"/>
               <a:pPr/>
-              <a:t>ט"ז/אייר/תשע"ה</a:t>
+              <a:t>י"ז/אייר/תשע"ה</a:t>
             </a:fld>
             <a:endParaRPr lang="he-IL"/>
           </a:p>
@@ -1208,7 +1801,7 @@
             <a:fld id="{0309AE4F-9C54-4FEE-ACEC-1FFC3EC84708}" type="datetimeFigureOut">
               <a:rPr lang="he-IL" smtClean="0"/>
               <a:pPr/>
-              <a:t>ט"ז/אייר/תשע"ה</a:t>
+              <a:t>י"ז/אייר/תשע"ה</a:t>
             </a:fld>
             <a:endParaRPr lang="he-IL"/>
           </a:p>
@@ -1451,7 +2044,7 @@
             <a:fld id="{0309AE4F-9C54-4FEE-ACEC-1FFC3EC84708}" type="datetimeFigureOut">
               <a:rPr lang="he-IL" smtClean="0"/>
               <a:pPr/>
-              <a:t>ט"ז/אייר/תשע"ה</a:t>
+              <a:t>י"ז/אייר/תשע"ה</a:t>
             </a:fld>
             <a:endParaRPr lang="he-IL"/>
           </a:p>
@@ -1736,7 +2329,7 @@
             <a:fld id="{0309AE4F-9C54-4FEE-ACEC-1FFC3EC84708}" type="datetimeFigureOut">
               <a:rPr lang="he-IL" smtClean="0"/>
               <a:pPr/>
-              <a:t>ט"ז/אייר/תשע"ה</a:t>
+              <a:t>י"ז/אייר/תשע"ה</a:t>
             </a:fld>
             <a:endParaRPr lang="he-IL"/>
           </a:p>
@@ -2155,7 +2748,7 @@
             <a:fld id="{0309AE4F-9C54-4FEE-ACEC-1FFC3EC84708}" type="datetimeFigureOut">
               <a:rPr lang="he-IL" smtClean="0"/>
               <a:pPr/>
-              <a:t>ט"ז/אייר/תשע"ה</a:t>
+              <a:t>י"ז/אייר/תשע"ה</a:t>
             </a:fld>
             <a:endParaRPr lang="he-IL"/>
           </a:p>
@@ -2270,7 +2863,7 @@
             <a:fld id="{0309AE4F-9C54-4FEE-ACEC-1FFC3EC84708}" type="datetimeFigureOut">
               <a:rPr lang="he-IL" smtClean="0"/>
               <a:pPr/>
-              <a:t>ט"ז/אייר/תשע"ה</a:t>
+              <a:t>י"ז/אייר/תשע"ה</a:t>
             </a:fld>
             <a:endParaRPr lang="he-IL"/>
           </a:p>
@@ -2362,7 +2955,7 @@
             <a:fld id="{0309AE4F-9C54-4FEE-ACEC-1FFC3EC84708}" type="datetimeFigureOut">
               <a:rPr lang="he-IL" smtClean="0"/>
               <a:pPr/>
-              <a:t>ט"ז/אייר/תשע"ה</a:t>
+              <a:t>י"ז/אייר/תשע"ה</a:t>
             </a:fld>
             <a:endParaRPr lang="he-IL"/>
           </a:p>
@@ -2636,7 +3229,7 @@
             <a:fld id="{0309AE4F-9C54-4FEE-ACEC-1FFC3EC84708}" type="datetimeFigureOut">
               <a:rPr lang="he-IL" smtClean="0"/>
               <a:pPr/>
-              <a:t>ט"ז/אייר/תשע"ה</a:t>
+              <a:t>י"ז/אייר/תשע"ה</a:t>
             </a:fld>
             <a:endParaRPr lang="he-IL"/>
           </a:p>
@@ -2886,7 +3479,7 @@
             <a:fld id="{0309AE4F-9C54-4FEE-ACEC-1FFC3EC84708}" type="datetimeFigureOut">
               <a:rPr lang="he-IL" smtClean="0"/>
               <a:pPr/>
-              <a:t>ט"ז/אייר/תשע"ה</a:t>
+              <a:t>י"ז/אייר/תשע"ה</a:t>
             </a:fld>
             <a:endParaRPr lang="he-IL"/>
           </a:p>
@@ -4165,6 +4758,243 @@
           <a:p>
             <a:r>
               <a:rPr lang="he-IL" dirty="0" smtClean="0"/>
+              <a:t>השוואת מסווגים:</a:t>
+            </a:r>
+            <a:endParaRPr lang="he-IL" dirty="0"/>
+          </a:p>
+        </p:txBody>
+      </p:sp>
+      <p:graphicFrame>
+        <p:nvGraphicFramePr>
+          <p:cNvPr id="7" name="תרשים 6"/>
+          <p:cNvGraphicFramePr>
+            <a:graphicFrameLocks/>
+          </p:cNvGraphicFramePr>
+          <p:nvPr>
+            <p:extLst>
+              <p:ext uri="{D42A27DB-BD31-4B8C-83A1-F6EECF244321}">
+                <p14:modId xmlns="" xmlns:p14="http://schemas.microsoft.com/office/powerpoint/2010/main" val="3790097223"/>
+              </p:ext>
+            </p:extLst>
+          </p:nvPr>
+        </p:nvGraphicFramePr>
+        <p:xfrm>
+          <a:off x="611560" y="1425662"/>
+          <a:ext cx="7542584" cy="4536504"/>
+        </p:xfrm>
+        <a:graphic>
+          <a:graphicData uri="http://schemas.openxmlformats.org/drawingml/2006/chart">
+            <c:chart xmlns:c="http://schemas.openxmlformats.org/drawingml/2006/chart" xmlns:r="http://schemas.openxmlformats.org/officeDocument/2006/relationships" r:id="rId3"/>
+          </a:graphicData>
+        </a:graphic>
+      </p:graphicFrame>
+    </p:spTree>
+    <p:extLst>
+      <p:ext uri="{BB962C8B-B14F-4D97-AF65-F5344CB8AC3E}">
+        <p14:creationId xmlns="" xmlns:p14="http://schemas.microsoft.com/office/powerpoint/2010/main" val="2799527068"/>
+      </p:ext>
+    </p:extLst>
+  </p:cSld>
+  <p:clrMapOvr>
+    <a:masterClrMapping/>
+  </p:clrMapOvr>
+  <p:timing>
+    <p:tnLst>
+      <p:par>
+        <p:cTn id="1" dur="indefinite" restart="never" nodeType="tmRoot"/>
+      </p:par>
+    </p:tnLst>
+  </p:timing>
+</p:sld>
+</file>
+
+<file path=ppt/slides/slide13.xml><?xml version="1.0" encoding="utf-8"?>
+<p:sld xmlns:a="http://schemas.openxmlformats.org/drawingml/2006/main" xmlns:r="http://schemas.openxmlformats.org/officeDocument/2006/relationships" xmlns:p="http://schemas.openxmlformats.org/presentationml/2006/main">
+  <p:cSld>
+    <p:spTree>
+      <p:nvGrpSpPr>
+        <p:cNvPr id="1" name=""/>
+        <p:cNvGrpSpPr/>
+        <p:nvPr/>
+      </p:nvGrpSpPr>
+      <p:grpSpPr>
+        <a:xfrm>
+          <a:off x="0" y="0"/>
+          <a:ext cx="0" cy="0"/>
+          <a:chOff x="0" y="0"/>
+          <a:chExt cx="0" cy="0"/>
+        </a:xfrm>
+      </p:grpSpPr>
+      <p:pic>
+        <p:nvPicPr>
+          <p:cNvPr id="4" name="Picture 4"/>
+          <p:cNvPicPr>
+            <a:picLocks noChangeAspect="1" noChangeArrowheads="1"/>
+          </p:cNvPicPr>
+          <p:nvPr/>
+        </p:nvPicPr>
+        <p:blipFill>
+          <a:blip r:embed="rId2" cstate="print"/>
+          <a:srcRect/>
+          <a:stretch>
+            <a:fillRect/>
+          </a:stretch>
+        </p:blipFill>
+        <p:spPr bwMode="auto">
+          <a:xfrm>
+            <a:off x="1" y="-15099"/>
+            <a:ext cx="9143999" cy="6873099"/>
+          </a:xfrm>
+          <a:prstGeom prst="rect">
+            <a:avLst/>
+          </a:prstGeom>
+          <a:noFill/>
+          <a:ln w="12700" cap="rnd">
+            <a:noFill/>
+            <a:round/>
+            <a:headEnd/>
+            <a:tailEnd/>
+          </a:ln>
+        </p:spPr>
+      </p:pic>
+      <p:sp>
+        <p:nvSpPr>
+          <p:cNvPr id="2" name="כותרת 1"/>
+          <p:cNvSpPr>
+            <a:spLocks noGrp="1"/>
+          </p:cNvSpPr>
+          <p:nvPr>
+            <p:ph type="title"/>
+          </p:nvPr>
+        </p:nvSpPr>
+        <p:spPr>
+          <a:xfrm>
+            <a:off x="467544" y="0"/>
+            <a:ext cx="8229600" cy="1143000"/>
+          </a:xfrm>
+        </p:spPr>
+        <p:txBody>
+          <a:bodyPr/>
+          <a:lstStyle/>
+          <a:p>
+            <a:r>
+              <a:rPr lang="he-IL" dirty="0" smtClean="0"/>
+              <a:t>פוסטר:</a:t>
+            </a:r>
+            <a:endParaRPr lang="he-IL" dirty="0"/>
+          </a:p>
+        </p:txBody>
+      </p:sp>
+      <p:pic>
+        <p:nvPicPr>
+          <p:cNvPr id="8" name="תמונה 7" descr="11208964_10206771052140869_880216498_n.jpg"/>
+          <p:cNvPicPr>
+            <a:picLocks noChangeAspect="1"/>
+          </p:cNvPicPr>
+          <p:nvPr/>
+        </p:nvPicPr>
+        <p:blipFill>
+          <a:blip r:embed="rId3" cstate="print"/>
+          <a:stretch>
+            <a:fillRect/>
+          </a:stretch>
+        </p:blipFill>
+        <p:spPr>
+          <a:xfrm>
+            <a:off x="2555776" y="1196752"/>
+            <a:ext cx="3786312" cy="5369068"/>
+          </a:xfrm>
+          <a:prstGeom prst="rect">
+            <a:avLst/>
+          </a:prstGeom>
+        </p:spPr>
+      </p:pic>
+    </p:spTree>
+    <p:extLst>
+      <p:ext uri="{BB962C8B-B14F-4D97-AF65-F5344CB8AC3E}">
+        <p14:creationId xmlns="" xmlns:p14="http://schemas.microsoft.com/office/powerpoint/2010/main" val="864639353"/>
+      </p:ext>
+    </p:extLst>
+  </p:cSld>
+  <p:clrMapOvr>
+    <a:masterClrMapping/>
+  </p:clrMapOvr>
+  <p:timing>
+    <p:tnLst>
+      <p:par>
+        <p:cTn id="1" dur="indefinite" restart="never" nodeType="tmRoot"/>
+      </p:par>
+    </p:tnLst>
+  </p:timing>
+</p:sld>
+</file>
+
+<file path=ppt/slides/slide14.xml><?xml version="1.0" encoding="utf-8"?>
+<p:sld xmlns:a="http://schemas.openxmlformats.org/drawingml/2006/main" xmlns:r="http://schemas.openxmlformats.org/officeDocument/2006/relationships" xmlns:p="http://schemas.openxmlformats.org/presentationml/2006/main">
+  <p:cSld>
+    <p:spTree>
+      <p:nvGrpSpPr>
+        <p:cNvPr id="1" name=""/>
+        <p:cNvGrpSpPr/>
+        <p:nvPr/>
+      </p:nvGrpSpPr>
+      <p:grpSpPr>
+        <a:xfrm>
+          <a:off x="0" y="0"/>
+          <a:ext cx="0" cy="0"/>
+          <a:chOff x="0" y="0"/>
+          <a:chExt cx="0" cy="0"/>
+        </a:xfrm>
+      </p:grpSpPr>
+      <p:pic>
+        <p:nvPicPr>
+          <p:cNvPr id="4" name="Picture 4"/>
+          <p:cNvPicPr>
+            <a:picLocks noChangeAspect="1" noChangeArrowheads="1"/>
+          </p:cNvPicPr>
+          <p:nvPr/>
+        </p:nvPicPr>
+        <p:blipFill>
+          <a:blip r:embed="rId2" cstate="print"/>
+          <a:srcRect/>
+          <a:stretch>
+            <a:fillRect/>
+          </a:stretch>
+        </p:blipFill>
+        <p:spPr bwMode="auto">
+          <a:xfrm>
+            <a:off x="1" y="-15099"/>
+            <a:ext cx="9143999" cy="6873099"/>
+          </a:xfrm>
+          <a:prstGeom prst="rect">
+            <a:avLst/>
+          </a:prstGeom>
+          <a:noFill/>
+          <a:ln w="12700" cap="rnd">
+            <a:noFill/>
+            <a:round/>
+            <a:headEnd/>
+            <a:tailEnd/>
+          </a:ln>
+        </p:spPr>
+      </p:pic>
+      <p:sp>
+        <p:nvSpPr>
+          <p:cNvPr id="2" name="כותרת 1"/>
+          <p:cNvSpPr>
+            <a:spLocks noGrp="1"/>
+          </p:cNvSpPr>
+          <p:nvPr>
+            <p:ph type="title"/>
+          </p:nvPr>
+        </p:nvSpPr>
+        <p:spPr/>
+        <p:txBody>
+          <a:bodyPr/>
+          <a:lstStyle/>
+          <a:p>
+            <a:r>
+              <a:rPr lang="he-IL" dirty="0" smtClean="0"/>
               <a:t>תחום הפרויקט</a:t>
             </a:r>
             <a:endParaRPr lang="he-IL" dirty="0"/>
@@ -4323,7 +5153,7 @@
         </p:nvCxnSpPr>
         <p:spPr>
           <a:xfrm>
-            <a:off x="7452320" y="5517232"/>
+            <a:off x="7452320" y="4653136"/>
             <a:ext cx="216024" cy="216024"/>
           </a:xfrm>
           <a:prstGeom prst="line">
@@ -4353,7 +5183,7 @@
         </p:nvCxnSpPr>
         <p:spPr>
           <a:xfrm flipH="1">
-            <a:off x="7452320" y="5517232"/>
+            <a:off x="7452320" y="4653136"/>
             <a:ext cx="152400" cy="207640"/>
           </a:xfrm>
           <a:prstGeom prst="line">
@@ -4455,7 +5285,7 @@
 </p:sld>
 </file>
 
-<file path=ppt/slides/slide13.xml><?xml version="1.0" encoding="utf-8"?>
+<file path=ppt/slides/slide15.xml><?xml version="1.0" encoding="utf-8"?>
 <p:sld xmlns:a="http://schemas.openxmlformats.org/drawingml/2006/main" xmlns:r="http://schemas.openxmlformats.org/officeDocument/2006/relationships" xmlns:p="http://schemas.openxmlformats.org/presentationml/2006/main">
   <p:cSld>
     <p:spTree>
@@ -4599,7 +5429,7 @@
 </p:sld>
 </file>
 
-<file path=ppt/slides/slide14.xml><?xml version="1.0" encoding="utf-8"?>
+<file path=ppt/slides/slide16.xml><?xml version="1.0" encoding="utf-8"?>
 <p:sld xmlns:a="http://schemas.openxmlformats.org/drawingml/2006/main" xmlns:r="http://schemas.openxmlformats.org/officeDocument/2006/relationships" xmlns:p="http://schemas.openxmlformats.org/presentationml/2006/main">
   <p:cSld>
     <p:spTree>
@@ -5133,7 +5963,7 @@
             </a:r>
             <a:r>
               <a:rPr lang="he-IL" dirty="0" smtClean="0"/>
-              <a:t>) עבור כל קטגוריה של כתבות. </a:t>
+              <a:t>) עבור הכתבות. </a:t>
             </a:r>
           </a:p>
           <a:p>
